--- a/data/180907_KevinHsiao.pptx
+++ b/data/180907_KevinHsiao.pptx
@@ -4206,7 +4206,7 @@
             </a:pPr>
             <a:r>
               <a:rPr lang="en-US" altLang="zh-TW" dirty="0"/>
-              <a:t>Add functions on Demo page</a:t>
+              <a:t>Add functions to Demo page</a:t>
             </a:r>
           </a:p>
           <a:p>
@@ -4215,7 +4215,7 @@
             </a:pPr>
             <a:r>
               <a:rPr lang="en-US" altLang="zh-TW" dirty="0"/>
-              <a:t>Implementation ShuffleNet</a:t>
+              <a:t>Implement ShuffleNet</a:t>
             </a:r>
           </a:p>
           <a:p>
@@ -4291,7 +4291,7 @@
           <a:p>
             <a:r>
               <a:rPr lang="en-US" altLang="zh-TW" dirty="0"/>
-              <a:t>Add functions on Demo page</a:t>
+              <a:t>Add functions to Demo page</a:t>
             </a:r>
           </a:p>
         </p:txBody>
@@ -4417,7 +4417,7 @@
           <a:p>
             <a:r>
               <a:rPr kumimoji="1" lang="en-US" altLang="zh-TW" dirty="0"/>
-              <a:t>Implementation ShuffleNet</a:t>
+              <a:t>Implement ShuffleNet</a:t>
             </a:r>
             <a:endParaRPr kumimoji="1" lang="zh-TW" altLang="en-US" dirty="0"/>
           </a:p>
@@ -4616,9 +4616,15 @@
               <a:rPr lang="en-US" altLang="zh-TW" dirty="0">
                 <a:hlinkClick r:id="rId3"/>
               </a:rPr>
-              <a:t>https://github.com/MG2033/ShuffleNet</a:t>
+              <a:t>https://github.com</a:t>
             </a:r>
-            <a:endParaRPr lang="en-US" altLang="zh-TW" dirty="0"/>
+            <a:r>
+              <a:rPr lang="en-US" altLang="zh-TW">
+                <a:hlinkClick r:id="rId3"/>
+              </a:rPr>
+              <a:t>/MG2033/ShuffleNet</a:t>
+            </a:r>
+            <a:endParaRPr lang="en-US" altLang="zh-TW"/>
           </a:p>
           <a:p>
             <a:pPr lvl="1">
